--- a/What is Data Science.pptx
+++ b/What is Data Science.pptx
@@ -9,11 +9,10 @@
     <p:sldId id="257" r:id="rId3"/>
     <p:sldId id="258" r:id="rId4"/>
     <p:sldId id="259" r:id="rId5"/>
-    <p:sldId id="260" r:id="rId6"/>
-    <p:sldId id="261" r:id="rId7"/>
-    <p:sldId id="262" r:id="rId8"/>
-    <p:sldId id="263" r:id="rId9"/>
-    <p:sldId id="264" r:id="rId10"/>
+    <p:sldId id="261" r:id="rId6"/>
+    <p:sldId id="262" r:id="rId7"/>
+    <p:sldId id="263" r:id="rId8"/>
+    <p:sldId id="264" r:id="rId9"/>
   </p:sldIdLst>
   <p:sldSz cx="12192000" cy="6858000"/>
   <p:notesSz cx="6858000" cy="9144000"/>
@@ -112,6 +111,11 @@
       </a:defRPr>
     </a:lvl9pPr>
   </p:defaultTextStyle>
+  <p:extLst>
+    <p:ext uri="{EFAFB233-063F-42B5-8137-9DF3F51BA10A}">
+      <p15:sldGuideLst xmlns:p15="http://schemas.microsoft.com/office/powerpoint/2012/main"/>
+    </p:ext>
+  </p:extLst>
 </p:presentation>
 </file>
 
@@ -344,7 +348,7 @@
           <a:p>
             <a:fld id="{00674016-2455-4F0A-BC6D-9D145BFFE078}" type="datetimeFigureOut">
               <a:rPr lang="en-US" smtClean="0"/>
-              <a:t>2/1/2023</a:t>
+              <a:t>2/2/2023</a:t>
             </a:fld>
             <a:endParaRPr lang="en-US"/>
           </a:p>
@@ -678,7 +682,7 @@
           <a:p>
             <a:fld id="{00674016-2455-4F0A-BC6D-9D145BFFE078}" type="datetimeFigureOut">
               <a:rPr lang="en-US" smtClean="0"/>
-              <a:t>2/1/2023</a:t>
+              <a:t>2/2/2023</a:t>
             </a:fld>
             <a:endParaRPr lang="en-US"/>
           </a:p>
@@ -956,7 +960,7 @@
           <a:p>
             <a:fld id="{00674016-2455-4F0A-BC6D-9D145BFFE078}" type="datetimeFigureOut">
               <a:rPr lang="en-US" smtClean="0"/>
-              <a:t>2/1/2023</a:t>
+              <a:t>2/2/2023</a:t>
             </a:fld>
             <a:endParaRPr lang="en-US"/>
           </a:p>
@@ -1524,7 +1528,7 @@
           <a:p>
             <a:fld id="{00674016-2455-4F0A-BC6D-9D145BFFE078}" type="datetimeFigureOut">
               <a:rPr lang="en-US" smtClean="0"/>
-              <a:t>2/1/2023</a:t>
+              <a:t>2/2/2023</a:t>
             </a:fld>
             <a:endParaRPr lang="en-US"/>
           </a:p>
@@ -1802,7 +1806,7 @@
           <a:p>
             <a:fld id="{00674016-2455-4F0A-BC6D-9D145BFFE078}" type="datetimeFigureOut">
               <a:rPr lang="en-US" smtClean="0"/>
-              <a:t>2/1/2023</a:t>
+              <a:t>2/2/2023</a:t>
             </a:fld>
             <a:endParaRPr lang="en-US"/>
           </a:p>
@@ -2364,7 +2368,7 @@
           <a:p>
             <a:fld id="{00674016-2455-4F0A-BC6D-9D145BFFE078}" type="datetimeFigureOut">
               <a:rPr lang="en-US" smtClean="0"/>
-              <a:t>2/1/2023</a:t>
+              <a:t>2/2/2023</a:t>
             </a:fld>
             <a:endParaRPr lang="en-US"/>
           </a:p>
@@ -2691,7 +2695,7 @@
           <a:p>
             <a:fld id="{00674016-2455-4F0A-BC6D-9D145BFFE078}" type="datetimeFigureOut">
               <a:rPr lang="en-US" smtClean="0"/>
-              <a:t>2/1/2023</a:t>
+              <a:t>2/2/2023</a:t>
             </a:fld>
             <a:endParaRPr lang="en-US"/>
           </a:p>
@@ -2868,7 +2872,7 @@
           <a:p>
             <a:fld id="{00674016-2455-4F0A-BC6D-9D145BFFE078}" type="datetimeFigureOut">
               <a:rPr lang="en-US" smtClean="0"/>
-              <a:t>2/1/2023</a:t>
+              <a:t>2/2/2023</a:t>
             </a:fld>
             <a:endParaRPr lang="en-US"/>
           </a:p>
@@ -3106,7 +3110,7 @@
           <a:p>
             <a:fld id="{00674016-2455-4F0A-BC6D-9D145BFFE078}" type="datetimeFigureOut">
               <a:rPr lang="en-US" smtClean="0"/>
-              <a:t>2/1/2023</a:t>
+              <a:t>2/2/2023</a:t>
             </a:fld>
             <a:endParaRPr lang="en-US"/>
           </a:p>
@@ -3306,7 +3310,7 @@
           <a:p>
             <a:fld id="{00674016-2455-4F0A-BC6D-9D145BFFE078}" type="datetimeFigureOut">
               <a:rPr lang="en-US" smtClean="0"/>
-              <a:t>2/1/2023</a:t>
+              <a:t>2/2/2023</a:t>
             </a:fld>
             <a:endParaRPr lang="en-US"/>
           </a:p>
@@ -3582,7 +3586,7 @@
           <a:p>
             <a:fld id="{00674016-2455-4F0A-BC6D-9D145BFFE078}" type="datetimeFigureOut">
               <a:rPr lang="en-US" smtClean="0"/>
-              <a:t>2/1/2023</a:t>
+              <a:t>2/2/2023</a:t>
             </a:fld>
             <a:endParaRPr lang="en-US"/>
           </a:p>
@@ -3848,7 +3852,7 @@
           <a:p>
             <a:fld id="{00674016-2455-4F0A-BC6D-9D145BFFE078}" type="datetimeFigureOut">
               <a:rPr lang="en-US" smtClean="0"/>
-              <a:t>2/1/2023</a:t>
+              <a:t>2/2/2023</a:t>
             </a:fld>
             <a:endParaRPr lang="en-US"/>
           </a:p>
@@ -4222,7 +4226,7 @@
           <a:p>
             <a:fld id="{00674016-2455-4F0A-BC6D-9D145BFFE078}" type="datetimeFigureOut">
               <a:rPr lang="en-US" smtClean="0"/>
-              <a:t>2/1/2023</a:t>
+              <a:t>2/2/2023</a:t>
             </a:fld>
             <a:endParaRPr lang="en-US"/>
           </a:p>
@@ -4370,7 +4374,7 @@
           <a:p>
             <a:fld id="{00674016-2455-4F0A-BC6D-9D145BFFE078}" type="datetimeFigureOut">
               <a:rPr lang="en-US" smtClean="0"/>
-              <a:t>2/1/2023</a:t>
+              <a:t>2/2/2023</a:t>
             </a:fld>
             <a:endParaRPr lang="en-US"/>
           </a:p>
@@ -4495,7 +4499,7 @@
           <a:p>
             <a:fld id="{00674016-2455-4F0A-BC6D-9D145BFFE078}" type="datetimeFigureOut">
               <a:rPr lang="en-US" smtClean="0"/>
-              <a:t>2/1/2023</a:t>
+              <a:t>2/2/2023</a:t>
             </a:fld>
             <a:endParaRPr lang="en-US"/>
           </a:p>
@@ -4780,7 +4784,7 @@
           <a:p>
             <a:fld id="{00674016-2455-4F0A-BC6D-9D145BFFE078}" type="datetimeFigureOut">
               <a:rPr lang="en-US" smtClean="0"/>
-              <a:t>2/1/2023</a:t>
+              <a:t>2/2/2023</a:t>
             </a:fld>
             <a:endParaRPr lang="en-US"/>
           </a:p>
@@ -5104,7 +5108,7 @@
           <a:p>
             <a:fld id="{00674016-2455-4F0A-BC6D-9D145BFFE078}" type="datetimeFigureOut">
               <a:rPr lang="en-US" smtClean="0"/>
-              <a:t>2/1/2023</a:t>
+              <a:t>2/2/2023</a:t>
             </a:fld>
             <a:endParaRPr lang="en-US"/>
           </a:p>
@@ -5318,7 +5322,7 @@
           <a:p>
             <a:fld id="{00674016-2455-4F0A-BC6D-9D145BFFE078}" type="datetimeFigureOut">
               <a:rPr lang="en-US" smtClean="0"/>
-              <a:t>2/1/2023</a:t>
+              <a:t>2/2/2023</a:t>
             </a:fld>
             <a:endParaRPr lang="en-US"/>
           </a:p>
@@ -5965,7 +5969,7 @@
         <p:spPr>
           <a:xfrm>
             <a:off x="1333850" y="2449586"/>
-            <a:ext cx="8196044" cy="2031325"/>
+            <a:ext cx="8196044" cy="923330"/>
           </a:xfrm>
           <a:prstGeom prst="rect">
             <a:avLst/>
@@ -5980,16 +5984,7 @@
           <a:p>
             <a:r>
               <a:rPr lang="en-US" dirty="0"/>
-              <a:t>A data scientist is someone who creates programming code and combines it with statistical knowledge to create insights from data.</a:t>
-            </a:r>
-          </a:p>
-          <a:p>
-            <a:endParaRPr lang="en-US" dirty="0"/>
-          </a:p>
-          <a:p>
-            <a:r>
-              <a:rPr lang="en-US" dirty="0"/>
-              <a:t>In simple terms: Data science is the study of data to extract meaningful insights for business. It is a multidisciplinary approach that combines principles and practices from the fields of mathematics, statistics, artificial intelligence, and computer engineering to analyze large amounts of data.</a:t>
+              <a:t>A data scientist is someone who creates code and combines statistical knowledge to extract insights from data. A data scientist falls under the fields of mathematics, statistics, artificial intelligence and computer engineering.</a:t>
             </a:r>
           </a:p>
         </p:txBody>
@@ -6089,7 +6084,7 @@
           <a:p>
             <a:r>
               <a:rPr lang="en-US" dirty="0"/>
-              <a:t>In simple terms, a data scientist's job is to analyze data for actionable insights. Specific tasks include: Identifying the data-analytics problems that offer the greatest opportunities to the organization. Determining the correct data sets and variables.</a:t>
+              <a:t>A data scientist's job is to analyze data for insights. Identifying the data analytics problems that present the greatest opportunities for an organization. Determining the appropriate data sets and variables.</a:t>
             </a:r>
           </a:p>
         </p:txBody>
@@ -6154,7 +6149,7 @@
           <a:p>
             <a:r>
               <a:rPr lang="en-US" dirty="0"/>
-              <a:t>What are the 3 main concepts of data science?</a:t>
+              <a:t>What are the 4 main concepts of data science?</a:t>
             </a:r>
           </a:p>
         </p:txBody>
@@ -6174,7 +6169,7 @@
         <p:spPr>
           <a:xfrm>
             <a:off x="1333850" y="2449586"/>
-            <a:ext cx="8196044" cy="923330"/>
+            <a:ext cx="8196044" cy="646331"/>
           </a:xfrm>
           <a:prstGeom prst="rect">
             <a:avLst/>
@@ -6189,13 +6184,7 @@
           <a:p>
             <a:r>
               <a:rPr lang="en-US" dirty="0"/>
-              <a:t>Image result for What is Data Science?</a:t>
-            </a:r>
-          </a:p>
-          <a:p>
-            <a:r>
-              <a:rPr lang="en-US" dirty="0"/>
-              <a:t>Statistics, Visualization, Deep Learning, Machine Learning are important Data Science concepts.</a:t>
+              <a:t>Statistics, Visualization, Deep Learning and Machine Learning are important Data Science concepts.</a:t>
             </a:r>
           </a:p>
         </p:txBody>
@@ -6260,7 +6249,7 @@
           <a:p>
             <a:r>
               <a:rPr lang="en-US" dirty="0"/>
-              <a:t>What is data science with examples?</a:t>
+              <a:t>What skills do data scientists need?</a:t>
             </a:r>
           </a:p>
         </p:txBody>
@@ -6280,7 +6269,7 @@
         <p:spPr>
           <a:xfrm>
             <a:off x="1333850" y="2449586"/>
-            <a:ext cx="8196044" cy="1200329"/>
+            <a:ext cx="8196044" cy="2585323"/>
           </a:xfrm>
           <a:prstGeom prst="rect">
             <a:avLst/>
@@ -6295,7 +6284,87 @@
           <a:p>
             <a:r>
               <a:rPr lang="en-US" dirty="0"/>
-              <a:t>Data science is the domain of study that deals with vast volumes of data using modern tools and techniques to find unseen patterns, derive meaningful information, and make business decisions. For example, finance companies can use a customer's banking and bill-paying history to assess creditworthiness and loan risk.</a:t>
+              <a:t>Some of the most important technical data scientist skills are:</a:t>
+            </a:r>
+          </a:p>
+          <a:p>
+            <a:pPr marL="285750" indent="-285750">
+              <a:buFont typeface="Arial" panose="020B0604020202020204" pitchFamily="34" charset="0"/>
+              <a:buChar char="•"/>
+            </a:pPr>
+            <a:r>
+              <a:rPr lang="en-US" dirty="0"/>
+              <a:t>Statistical analysis and computing.</a:t>
+            </a:r>
+          </a:p>
+          <a:p>
+            <a:pPr marL="285750" indent="-285750">
+              <a:buFont typeface="Arial" panose="020B0604020202020204" pitchFamily="34" charset="0"/>
+              <a:buChar char="•"/>
+            </a:pPr>
+            <a:r>
+              <a:rPr lang="en-US" dirty="0"/>
+              <a:t>Machine Learning.</a:t>
+            </a:r>
+          </a:p>
+          <a:p>
+            <a:pPr marL="285750" indent="-285750">
+              <a:buFont typeface="Arial" panose="020B0604020202020204" pitchFamily="34" charset="0"/>
+              <a:buChar char="•"/>
+            </a:pPr>
+            <a:r>
+              <a:rPr lang="en-US" dirty="0"/>
+              <a:t>Deep Learning.</a:t>
+            </a:r>
+          </a:p>
+          <a:p>
+            <a:pPr marL="285750" indent="-285750">
+              <a:buFont typeface="Arial" panose="020B0604020202020204" pitchFamily="34" charset="0"/>
+              <a:buChar char="•"/>
+            </a:pPr>
+            <a:r>
+              <a:rPr lang="en-US" dirty="0"/>
+              <a:t>Processing large data sets.</a:t>
+            </a:r>
+          </a:p>
+          <a:p>
+            <a:pPr marL="285750" indent="-285750">
+              <a:buFont typeface="Arial" panose="020B0604020202020204" pitchFamily="34" charset="0"/>
+              <a:buChar char="•"/>
+            </a:pPr>
+            <a:r>
+              <a:rPr lang="en-US" dirty="0"/>
+              <a:t>Data Visualization.</a:t>
+            </a:r>
+          </a:p>
+          <a:p>
+            <a:pPr marL="285750" indent="-285750">
+              <a:buFont typeface="Arial" panose="020B0604020202020204" pitchFamily="34" charset="0"/>
+              <a:buChar char="•"/>
+            </a:pPr>
+            <a:r>
+              <a:rPr lang="en-US" dirty="0"/>
+              <a:t>Data Wrangling.</a:t>
+            </a:r>
+          </a:p>
+          <a:p>
+            <a:pPr marL="285750" indent="-285750">
+              <a:buFont typeface="Arial" panose="020B0604020202020204" pitchFamily="34" charset="0"/>
+              <a:buChar char="•"/>
+            </a:pPr>
+            <a:r>
+              <a:rPr lang="en-US" dirty="0"/>
+              <a:t>Mathematics.</a:t>
+            </a:r>
+          </a:p>
+          <a:p>
+            <a:pPr marL="285750" indent="-285750">
+              <a:buFont typeface="Arial" panose="020B0604020202020204" pitchFamily="34" charset="0"/>
+              <a:buChar char="•"/>
+            </a:pPr>
+            <a:r>
+              <a:rPr lang="en-US" dirty="0"/>
+              <a:t>Programming.</a:t>
             </a:r>
           </a:p>
         </p:txBody>
@@ -6303,7 +6372,7 @@
     </p:spTree>
     <p:extLst>
       <p:ext uri="{BB962C8B-B14F-4D97-AF65-F5344CB8AC3E}">
-        <p14:creationId xmlns:p14="http://schemas.microsoft.com/office/powerpoint/2010/main" val="3978467200"/>
+        <p14:creationId xmlns:p14="http://schemas.microsoft.com/office/powerpoint/2010/main" val="425288844"/>
       </p:ext>
     </p:extLst>
   </p:cSld>
@@ -6354,13 +6423,13 @@
         </p:spPr>
         <p:txBody>
           <a:bodyPr>
-            <a:normAutofit fontScale="90000"/>
+            <a:normAutofit/>
           </a:bodyPr>
           <a:lstStyle/>
           <a:p>
             <a:r>
               <a:rPr lang="en-US" dirty="0"/>
-              <a:t>What skills do data scientists need?</a:t>
+              <a:t>Is data science a lot of math?</a:t>
             </a:r>
           </a:p>
         </p:txBody>
@@ -6380,7 +6449,7 @@
         <p:spPr>
           <a:xfrm>
             <a:off x="1333850" y="2449586"/>
-            <a:ext cx="8196044" cy="2585323"/>
+            <a:ext cx="8196044" cy="646331"/>
           </a:xfrm>
           <a:prstGeom prst="rect">
             <a:avLst/>
@@ -6395,87 +6464,7 @@
           <a:p>
             <a:r>
               <a:rPr lang="en-US" dirty="0"/>
-              <a:t>Some of the most important technical data scientist skills are:</a:t>
-            </a:r>
-          </a:p>
-          <a:p>
-            <a:pPr marL="285750" indent="-285750">
-              <a:buFont typeface="Arial" panose="020B0604020202020204" pitchFamily="34" charset="0"/>
-              <a:buChar char="•"/>
-            </a:pPr>
-            <a:r>
-              <a:rPr lang="en-US" dirty="0"/>
-              <a:t>Statistical analysis and computing.</a:t>
-            </a:r>
-          </a:p>
-          <a:p>
-            <a:pPr marL="285750" indent="-285750">
-              <a:buFont typeface="Arial" panose="020B0604020202020204" pitchFamily="34" charset="0"/>
-              <a:buChar char="•"/>
-            </a:pPr>
-            <a:r>
-              <a:rPr lang="en-US" dirty="0"/>
-              <a:t>Machine Learning.</a:t>
-            </a:r>
-          </a:p>
-          <a:p>
-            <a:pPr marL="285750" indent="-285750">
-              <a:buFont typeface="Arial" panose="020B0604020202020204" pitchFamily="34" charset="0"/>
-              <a:buChar char="•"/>
-            </a:pPr>
-            <a:r>
-              <a:rPr lang="en-US" dirty="0"/>
-              <a:t>Deep Learning.</a:t>
-            </a:r>
-          </a:p>
-          <a:p>
-            <a:pPr marL="285750" indent="-285750">
-              <a:buFont typeface="Arial" panose="020B0604020202020204" pitchFamily="34" charset="0"/>
-              <a:buChar char="•"/>
-            </a:pPr>
-            <a:r>
-              <a:rPr lang="en-US" dirty="0"/>
-              <a:t>Processing large data sets.</a:t>
-            </a:r>
-          </a:p>
-          <a:p>
-            <a:pPr marL="285750" indent="-285750">
-              <a:buFont typeface="Arial" panose="020B0604020202020204" pitchFamily="34" charset="0"/>
-              <a:buChar char="•"/>
-            </a:pPr>
-            <a:r>
-              <a:rPr lang="en-US" dirty="0"/>
-              <a:t>Data Visualization.</a:t>
-            </a:r>
-          </a:p>
-          <a:p>
-            <a:pPr marL="285750" indent="-285750">
-              <a:buFont typeface="Arial" panose="020B0604020202020204" pitchFamily="34" charset="0"/>
-              <a:buChar char="•"/>
-            </a:pPr>
-            <a:r>
-              <a:rPr lang="en-US" dirty="0"/>
-              <a:t>Data Wrangling.</a:t>
-            </a:r>
-          </a:p>
-          <a:p>
-            <a:pPr marL="285750" indent="-285750">
-              <a:buFont typeface="Arial" panose="020B0604020202020204" pitchFamily="34" charset="0"/>
-              <a:buChar char="•"/>
-            </a:pPr>
-            <a:r>
-              <a:rPr lang="en-US" dirty="0"/>
-              <a:t>Mathematics.</a:t>
-            </a:r>
-          </a:p>
-          <a:p>
-            <a:pPr marL="285750" indent="-285750">
-              <a:buFont typeface="Arial" panose="020B0604020202020204" pitchFamily="34" charset="0"/>
-              <a:buChar char="•"/>
-            </a:pPr>
-            <a:r>
-              <a:rPr lang="en-US" dirty="0"/>
-              <a:t>Programming.</a:t>
+              <a:t>Data science requires mathematics because machine learning algorithms and performing analysis and discovering insights from data require mathematics.</a:t>
             </a:r>
           </a:p>
         </p:txBody>
@@ -6483,7 +6472,7 @@
     </p:spTree>
     <p:extLst>
       <p:ext uri="{BB962C8B-B14F-4D97-AF65-F5344CB8AC3E}">
-        <p14:creationId xmlns:p14="http://schemas.microsoft.com/office/powerpoint/2010/main" val="425288844"/>
+        <p14:creationId xmlns:p14="http://schemas.microsoft.com/office/powerpoint/2010/main" val="270666213"/>
       </p:ext>
     </p:extLst>
   </p:cSld>
@@ -6540,7 +6529,7 @@
           <a:p>
             <a:r>
               <a:rPr lang="en-US" dirty="0"/>
-              <a:t>Is data science a lot of math?</a:t>
+              <a:t>Is data science a hard job?</a:t>
             </a:r>
           </a:p>
         </p:txBody>
@@ -6560,7 +6549,7 @@
         <p:spPr>
           <a:xfrm>
             <a:off x="1333850" y="2449586"/>
-            <a:ext cx="8196044" cy="1200329"/>
+            <a:ext cx="8196044" cy="646331"/>
           </a:xfrm>
           <a:prstGeom prst="rect">
             <a:avLst/>
@@ -6575,7 +6564,7 @@
           <a:p>
             <a:r>
               <a:rPr lang="en-US" dirty="0"/>
-              <a:t>Data science careers require mathematical study because machine learning algorithms, and performing analyses and discovering insights from data require math. While math will not be the only requirement for your educational and career path in data science, but it's often one of the most important.</a:t>
+              <a:t>If you have learned the right skills, it will not be difficult. It can be difficult when you start because the field is new. But once you learn the basics it is not difficult.</a:t>
             </a:r>
           </a:p>
         </p:txBody>
@@ -6583,7 +6572,7 @@
     </p:spTree>
     <p:extLst>
       <p:ext uri="{BB962C8B-B14F-4D97-AF65-F5344CB8AC3E}">
-        <p14:creationId xmlns:p14="http://schemas.microsoft.com/office/powerpoint/2010/main" val="270666213"/>
+        <p14:creationId xmlns:p14="http://schemas.microsoft.com/office/powerpoint/2010/main" val="854296831"/>
       </p:ext>
     </p:extLst>
   </p:cSld>
@@ -6640,7 +6629,7 @@
           <a:p>
             <a:r>
               <a:rPr lang="en-US" dirty="0"/>
-              <a:t>Is data science a hard job?</a:t>
+              <a:t>Does data scientist do coding?</a:t>
             </a:r>
           </a:p>
         </p:txBody>
@@ -6660,7 +6649,7 @@
         <p:spPr>
           <a:xfrm>
             <a:off x="1333850" y="2449586"/>
-            <a:ext cx="8196044" cy="1200329"/>
+            <a:ext cx="8196044" cy="923330"/>
           </a:xfrm>
           <a:prstGeom prst="rect">
             <a:avLst/>
@@ -6675,107 +6664,7 @@
           <a:p>
             <a:r>
               <a:rPr lang="en-US" dirty="0"/>
-              <a:t>No, if one has learned the right set of skills, data science will not be a hard job for them. The field of data science is new and has not matured fully yet. So it might seem difficult when you start. But once you learn the nuts and bolts of it, it is not a hard job.</a:t>
-            </a:r>
-          </a:p>
-        </p:txBody>
-      </p:sp>
-    </p:spTree>
-    <p:extLst>
-      <p:ext uri="{BB962C8B-B14F-4D97-AF65-F5344CB8AC3E}">
-        <p14:creationId xmlns:p14="http://schemas.microsoft.com/office/powerpoint/2010/main" val="854296831"/>
-      </p:ext>
-    </p:extLst>
-  </p:cSld>
-  <p:clrMapOvr>
-    <a:masterClrMapping/>
-  </p:clrMapOvr>
-</p:sld>
-</file>
-
-<file path=ppt/slides/slide9.xml><?xml version="1.0" encoding="utf-8"?>
-<p:sld xmlns:a="http://schemas.openxmlformats.org/drawingml/2006/main" xmlns:r="http://schemas.openxmlformats.org/officeDocument/2006/relationships" xmlns:p="http://schemas.openxmlformats.org/presentationml/2006/main">
-  <p:cSld>
-    <p:spTree>
-      <p:nvGrpSpPr>
-        <p:cNvPr id="1" name=""/>
-        <p:cNvGrpSpPr/>
-        <p:nvPr/>
-      </p:nvGrpSpPr>
-      <p:grpSpPr>
-        <a:xfrm>
-          <a:off x="0" y="0"/>
-          <a:ext cx="0" cy="0"/>
-          <a:chOff x="0" y="0"/>
-          <a:chExt cx="0" cy="0"/>
-        </a:xfrm>
-      </p:grpSpPr>
-      <p:sp>
-        <p:nvSpPr>
-          <p:cNvPr id="2" name="Title 1">
-            <a:extLst>
-              <a:ext uri="{FF2B5EF4-FFF2-40B4-BE49-F238E27FC236}">
-                <a16:creationId xmlns:a16="http://schemas.microsoft.com/office/drawing/2014/main" id="{09205AC7-779B-7EEE-ED5F-2071391F6C67}"/>
-              </a:ext>
-            </a:extLst>
-          </p:cNvPr>
-          <p:cNvSpPr>
-            <a:spLocks noGrp="1"/>
-          </p:cNvSpPr>
-          <p:nvPr>
-            <p:ph type="title"/>
-          </p:nvPr>
-        </p:nvSpPr>
-        <p:spPr>
-          <a:xfrm>
-            <a:off x="1333850" y="1633058"/>
-            <a:ext cx="7004807" cy="816528"/>
-          </a:xfrm>
-        </p:spPr>
-        <p:txBody>
-          <a:bodyPr>
-            <a:normAutofit/>
-          </a:bodyPr>
-          <a:lstStyle/>
-          <a:p>
-            <a:r>
-              <a:rPr lang="en-US" dirty="0"/>
-              <a:t>Does data scientist do coding?</a:t>
-            </a:r>
-          </a:p>
-        </p:txBody>
-      </p:sp>
-      <p:sp>
-        <p:nvSpPr>
-          <p:cNvPr id="6" name="TextBox 5">
-            <a:extLst>
-              <a:ext uri="{FF2B5EF4-FFF2-40B4-BE49-F238E27FC236}">
-                <a16:creationId xmlns:a16="http://schemas.microsoft.com/office/drawing/2014/main" id="{2F8CD295-0EBD-AEA9-4AE8-4F2635D7CD9C}"/>
-              </a:ext>
-            </a:extLst>
-          </p:cNvPr>
-          <p:cNvSpPr txBox="1"/>
-          <p:nvPr/>
-        </p:nvSpPr>
-        <p:spPr>
-          <a:xfrm>
-            <a:off x="1333850" y="2449586"/>
-            <a:ext cx="8196044" cy="1200329"/>
-          </a:xfrm>
-          <a:prstGeom prst="rect">
-            <a:avLst/>
-          </a:prstGeom>
-          <a:noFill/>
-        </p:spPr>
-        <p:txBody>
-          <a:bodyPr wrap="square" rtlCol="0">
-            <a:spAutoFit/>
-          </a:bodyPr>
-          <a:lstStyle/>
-          <a:p>
-            <a:r>
-              <a:rPr lang="en-US" dirty="0"/>
-              <a:t>All jobs in Data Science require some degree of coding and experience with technical tools and technologies. To summarize: Data Engineer: Moderate amount of Python, more knowledge of SQL and optional but preferrable is knowledge on a Cloud Platform.</a:t>
+              <a:t>All jobs in Data Science require some level of coding and experience with technical tools and technologies. A Data Engineer should know a moderate amount of Python and have knowledge of SQL.</a:t>
             </a:r>
           </a:p>
         </p:txBody>
